--- a/assets/workshop.pptx
+++ b/assets/workshop.pptx
@@ -3402,7 +3402,7 @@
         <p:spPr>
           <a:xfrm>
             <a:off x="6141231" y="4148743"/>
-            <a:ext cx="2131538" cy="2031325"/>
+            <a:ext cx="3108556" cy="2215991"/>
           </a:xfrm>
           <a:prstGeom prst="rect">
             <a:avLst/>
@@ -3461,7 +3461,19 @@
               <a:rPr lang="en-US" dirty="0" err="1" smtClean="0"/>
               <a:t>wikidata.org</a:t>
             </a:r>
-            <a:endParaRPr lang="en-US" dirty="0"/>
+          </a:p>
+          <a:p>
+            <a:r>
+              <a:rPr lang="en-US" sz="1200" dirty="0" smtClean="0">
+                <a:hlinkClick r:id="rId6"/>
+              </a:rPr>
+              <a:t>https://public.etherpad-mozilla.org/p/tigr2ess</a:t>
+            </a:r>
+            <a:r>
+              <a:rPr lang="en-US" sz="1200" dirty="0" smtClean="0"/>
+              <a:t> </a:t>
+            </a:r>
+            <a:endParaRPr lang="en-US" sz="1200" dirty="0"/>
           </a:p>
         </p:txBody>
       </p:sp>
@@ -3489,7 +3501,7 @@
           <a:p>
             <a:r>
               <a:rPr lang="en-US" dirty="0" smtClean="0">
-                <a:hlinkClick r:id="rId6"/>
+                <a:hlinkClick r:id="rId7"/>
               </a:rPr>
               <a:t>https://github.com/petermr/tigr2ess</a:t>
             </a:r>
@@ -3509,7 +3521,7 @@
         </p:nvSpPr>
         <p:spPr>
           <a:xfrm>
-            <a:off x="6279195" y="6425740"/>
+            <a:off x="5379071" y="6452245"/>
             <a:ext cx="2486228" cy="369332"/>
           </a:xfrm>
           <a:prstGeom prst="rect">
@@ -3525,7 +3537,7 @@
           <a:p>
             <a:r>
               <a:rPr lang="en-US" dirty="0" smtClean="0">
-                <a:hlinkClick r:id="rId7"/>
+                <a:hlinkClick r:id="rId8"/>
               </a:rPr>
               <a:t>https://contentmine.org</a:t>
             </a:r>
@@ -3560,7 +3572,7 @@
             <p:nvPr/>
           </p:nvPicPr>
           <p:blipFill>
-            <a:blip r:embed="rId8">
+            <a:blip r:embed="rId9">
               <a:extLst>
                 <a:ext uri="{28A0092B-C50C-407E-A947-70E740481C1C}">
                   <a14:useLocalDpi xmlns:a14="http://schemas.microsoft.com/office/drawing/2010/main" val="0"/>
@@ -3590,7 +3602,7 @@
             <p:nvPr/>
           </p:nvPicPr>
           <p:blipFill>
-            <a:blip r:embed="rId9">
+            <a:blip r:embed="rId10">
               <a:extLst>
                 <a:ext uri="{28A0092B-C50C-407E-A947-70E740481C1C}">
                   <a14:useLocalDpi xmlns:a14="http://schemas.microsoft.com/office/drawing/2010/main" val="0"/>
@@ -3620,7 +3632,7 @@
             <p:nvPr/>
           </p:nvPicPr>
           <p:blipFill>
-            <a:blip r:embed="rId10">
+            <a:blip r:embed="rId11">
               <a:extLst>
                 <a:ext uri="{28A0092B-C50C-407E-A947-70E740481C1C}">
                   <a14:useLocalDpi xmlns:a14="http://schemas.microsoft.com/office/drawing/2010/main" val="0"/>
@@ -3650,7 +3662,7 @@
         </p:nvSpPr>
         <p:spPr>
           <a:xfrm>
-            <a:off x="124302" y="6452245"/>
+            <a:off x="0" y="6452245"/>
             <a:ext cx="5379071" cy="369332"/>
           </a:xfrm>
           <a:prstGeom prst="rect">
@@ -3666,7 +3678,7 @@
           <a:p>
             <a:r>
               <a:rPr lang="en-US" dirty="0" smtClean="0">
-                <a:hlinkClick r:id="rId11"/>
+                <a:hlinkClick r:id="rId12"/>
               </a:rPr>
               <a:t>https://www.globalfood.cam.ac.uk/keyprogs/TIGR2ESS</a:t>
             </a:r>
@@ -3678,6 +3690,30 @@
           </a:p>
         </p:txBody>
       </p:sp>
+      <p:pic>
+        <p:nvPicPr>
+          <p:cNvPr id="23" name="Picture 22"/>
+          <p:cNvPicPr>
+            <a:picLocks noChangeAspect="1"/>
+          </p:cNvPicPr>
+          <p:nvPr/>
+        </p:nvPicPr>
+        <p:blipFill>
+          <a:blip r:embed="rId13"/>
+          <a:stretch>
+            <a:fillRect/>
+          </a:stretch>
+        </p:blipFill>
+        <p:spPr>
+          <a:xfrm>
+            <a:off x="7828953" y="6345599"/>
+            <a:ext cx="1296828" cy="456292"/>
+          </a:xfrm>
+          <a:prstGeom prst="rect">
+            <a:avLst/>
+          </a:prstGeom>
+        </p:spPr>
+      </p:pic>
     </p:spTree>
     <p:extLst>
       <p:ext uri="{BB962C8B-B14F-4D97-AF65-F5344CB8AC3E}">
